--- a/Modules/Module 00 - Introduction/00 - Introduction.pptx
+++ b/Modules/Module 00 - Introduction/00 - Introduction.pptx
@@ -5,10 +5,10 @@
     <p:sldMasterId id="2147483672" r:id="rId1"/>
   </p:sldMasterIdLst>
   <p:notesMasterIdLst>
-    <p:notesMasterId r:id="rId13"/>
+    <p:notesMasterId r:id="rId12"/>
   </p:notesMasterIdLst>
   <p:handoutMasterIdLst>
-    <p:handoutMasterId r:id="rId14"/>
+    <p:handoutMasterId r:id="rId13"/>
   </p:handoutMasterIdLst>
   <p:sldIdLst>
     <p:sldId id="256" r:id="rId2"/>
@@ -21,7 +21,6 @@
     <p:sldId id="738" r:id="rId9"/>
     <p:sldId id="739" r:id="rId10"/>
     <p:sldId id="740" r:id="rId11"/>
-    <p:sldId id="741" r:id="rId12"/>
   </p:sldIdLst>
   <p:sldSz cx="9144000" cy="6858000" type="screen4x3"/>
   <p:notesSz cx="6858000" cy="10013950"/>
@@ -222,7 +221,7 @@
             <a:fld id="{0BDFA857-2522-43A0-A715-2E459C56A198}" type="datetimeFigureOut">
               <a:rPr lang="da-DK" smtClean="0"/>
               <a:pPr/>
-              <a:t>05/11/2017</a:t>
+              <a:t>01.11.2020</a:t>
             </a:fld>
             <a:endParaRPr lang="da-DK"/>
           </a:p>
@@ -389,7 +388,7 @@
             <a:fld id="{DF18539A-412E-4890-BAE7-146FC9254F78}" type="datetimeFigureOut">
               <a:rPr lang="da-DK" smtClean="0"/>
               <a:pPr/>
-              <a:t>05/11/2017</a:t>
+              <a:t>01.11.2020</a:t>
             </a:fld>
             <a:endParaRPr lang="da-DK"/>
           </a:p>
@@ -1804,7 +1803,7 @@
             <a:fld id="{D2FD1E4D-6B93-4EE9-8A10-B8AD336451E2}" type="datetimeFigureOut">
               <a:rPr lang="da-DK" smtClean="0"/>
               <a:pPr/>
-              <a:t>05/11/2017</a:t>
+              <a:t>01.11.2020</a:t>
             </a:fld>
             <a:endParaRPr lang="da-DK"/>
           </a:p>
@@ -2019,7 +2018,7 @@
             <a:fld id="{D2FD1E4D-6B93-4EE9-8A10-B8AD336451E2}" type="datetimeFigureOut">
               <a:rPr lang="da-DK" smtClean="0"/>
               <a:pPr/>
-              <a:t>05/11/2017</a:t>
+              <a:t>01.11.2020</a:t>
             </a:fld>
             <a:endParaRPr lang="da-DK"/>
           </a:p>
@@ -2153,7 +2152,7 @@
             <a:fld id="{D2FD1E4D-6B93-4EE9-8A10-B8AD336451E2}" type="datetimeFigureOut">
               <a:rPr lang="da-DK" smtClean="0"/>
               <a:pPr/>
-              <a:t>05/11/2017</a:t>
+              <a:t>01.11.2020</a:t>
             </a:fld>
             <a:endParaRPr lang="da-DK"/>
           </a:p>
@@ -2447,7 +2446,7 @@
             <a:fld id="{D2FD1E4D-6B93-4EE9-8A10-B8AD336451E2}" type="datetimeFigureOut">
               <a:rPr lang="da-DK" smtClean="0"/>
               <a:pPr/>
-              <a:t>05/11/2017</a:t>
+              <a:t>01.11.2020</a:t>
             </a:fld>
             <a:endParaRPr lang="da-DK"/>
           </a:p>
@@ -2587,7 +2586,7 @@
             <a:fld id="{D2FD1E4D-6B93-4EE9-8A10-B8AD336451E2}" type="datetimeFigureOut">
               <a:rPr lang="da-DK" smtClean="0"/>
               <a:pPr/>
-              <a:t>05/11/2017</a:t>
+              <a:t>01.11.2020</a:t>
             </a:fld>
             <a:endParaRPr lang="da-DK"/>
           </a:p>
@@ -2856,7 +2855,7 @@
             <a:fld id="{D2FD1E4D-6B93-4EE9-8A10-B8AD336451E2}" type="datetimeFigureOut">
               <a:rPr lang="da-DK" smtClean="0"/>
               <a:pPr/>
-              <a:t>05/11/2017</a:t>
+              <a:t>01.11.2020</a:t>
             </a:fld>
             <a:endParaRPr lang="da-DK"/>
           </a:p>
@@ -3027,7 +3026,7 @@
             <a:fld id="{D2FD1E4D-6B93-4EE9-8A10-B8AD336451E2}" type="datetimeFigureOut">
               <a:rPr lang="da-DK" smtClean="0"/>
               <a:pPr/>
-              <a:t>05/11/2017</a:t>
+              <a:t>01.11.2020</a:t>
             </a:fld>
             <a:endParaRPr lang="da-DK"/>
           </a:p>
@@ -3203,7 +3202,7 @@
             <a:fld id="{D2FD1E4D-6B93-4EE9-8A10-B8AD336451E2}" type="datetimeFigureOut">
               <a:rPr lang="da-DK" smtClean="0"/>
               <a:pPr/>
-              <a:t>05/11/2017</a:t>
+              <a:t>01.11.2020</a:t>
             </a:fld>
             <a:endParaRPr lang="da-DK"/>
           </a:p>
@@ -3552,7 +3551,7 @@
             <a:fld id="{D2FD1E4D-6B93-4EE9-8A10-B8AD336451E2}" type="datetimeFigureOut">
               <a:rPr lang="da-DK" smtClean="0"/>
               <a:pPr/>
-              <a:t>05/11/2017</a:t>
+              <a:t>01.11.2020</a:t>
             </a:fld>
             <a:endParaRPr lang="da-DK"/>
           </a:p>
@@ -4259,14 +4258,6 @@
           </a:p>
           <a:p>
             <a:pPr eaLnBrk="1" hangingPunct="1"/>
-            <a:r>
-              <a:rPr lang="en-US" dirty="0" err="1"/>
-              <a:t>Rygning</a:t>
-            </a:r>
-            <a:endParaRPr lang="en-US" dirty="0"/>
-          </a:p>
-          <a:p>
-            <a:pPr eaLnBrk="1" hangingPunct="1"/>
             <a:endParaRPr lang="en-US" dirty="0"/>
           </a:p>
           <a:p>
@@ -4320,74 +4311,6 @@
     <p:extLst>
       <p:ext uri="{BB962C8B-B14F-4D97-AF65-F5344CB8AC3E}">
         <p14:creationId xmlns:p14="http://schemas.microsoft.com/office/powerpoint/2010/main" val="3507188241"/>
-      </p:ext>
-    </p:extLst>
-  </p:cSld>
-  <p:clrMapOvr>
-    <a:masterClrMapping/>
-  </p:clrMapOvr>
-</p:sld>
-</file>
-
-<file path=ppt/slides/slide11.xml><?xml version="1.0" encoding="utf-8"?>
-<p:sld xmlns:a="http://schemas.openxmlformats.org/drawingml/2006/main" xmlns:r="http://schemas.openxmlformats.org/officeDocument/2006/relationships" xmlns:p="http://schemas.openxmlformats.org/presentationml/2006/main">
-  <p:cSld>
-    <p:spTree>
-      <p:nvGrpSpPr>
-        <p:cNvPr id="1" name=""/>
-        <p:cNvGrpSpPr/>
-        <p:nvPr/>
-      </p:nvGrpSpPr>
-      <p:grpSpPr>
-        <a:xfrm>
-          <a:off x="0" y="0"/>
-          <a:ext cx="0" cy="0"/>
-          <a:chOff x="0" y="0"/>
-          <a:chExt cx="0" cy="0"/>
-        </a:xfrm>
-      </p:grpSpPr>
-      <p:sp>
-        <p:nvSpPr>
-          <p:cNvPr id="2" name="Content Placeholder 1"/>
-          <p:cNvSpPr>
-            <a:spLocks noGrp="1"/>
-          </p:cNvSpPr>
-          <p:nvPr>
-            <p:ph idx="1"/>
-          </p:nvPr>
-        </p:nvSpPr>
-        <p:spPr/>
-        <p:txBody>
-          <a:bodyPr/>
-          <a:lstStyle/>
-          <a:p>
-            <a:endParaRPr lang="da-DK" dirty="0"/>
-          </a:p>
-        </p:txBody>
-      </p:sp>
-      <p:sp>
-        <p:nvSpPr>
-          <p:cNvPr id="3" name="Title 2"/>
-          <p:cNvSpPr>
-            <a:spLocks noGrp="1"/>
-          </p:cNvSpPr>
-          <p:nvPr>
-            <p:ph type="title"/>
-          </p:nvPr>
-        </p:nvSpPr>
-        <p:spPr/>
-        <p:txBody>
-          <a:bodyPr/>
-          <a:lstStyle/>
-          <a:p>
-            <a:endParaRPr lang="da-DK"/>
-          </a:p>
-        </p:txBody>
-      </p:sp>
-    </p:spTree>
-    <p:extLst>
-      <p:ext uri="{BB962C8B-B14F-4D97-AF65-F5344CB8AC3E}">
-        <p14:creationId xmlns:p14="http://schemas.microsoft.com/office/powerpoint/2010/main" val="2969877447"/>
       </p:ext>
     </p:extLst>
   </p:cSld>
@@ -4652,7 +4575,7 @@
         </p:spPr>
         <p:txBody>
           <a:bodyPr>
-            <a:normAutofit lnSpcReduction="10000"/>
+            <a:normAutofit fontScale="92500"/>
           </a:bodyPr>
           <a:lstStyle/>
           <a:p>
@@ -5308,17 +5231,6 @@
             <a:endParaRPr lang="da-DK" sz="2600" dirty="0"/>
           </a:p>
           <a:p>
-            <a:pPr lvl="1"/>
-            <a:r>
-              <a:rPr lang="en-US" sz="2600" dirty="0" err="1"/>
-              <a:t>MeasureUp</a:t>
-            </a:r>
-            <a:r>
-              <a:rPr lang="en-US" sz="2600" dirty="0"/>
-              <a:t> Tests</a:t>
-            </a:r>
-          </a:p>
-          <a:p>
             <a:pPr marL="109728" indent="0">
               <a:buNone/>
             </a:pPr>
@@ -5326,8 +5238,12 @@
           </a:p>
           <a:p>
             <a:r>
-              <a:rPr lang="da-DK" sz="2900"/>
-              <a:t>Dag 6: </a:t>
+              <a:rPr lang="da-DK" sz="2900" dirty="0" err="1"/>
+              <a:t>Next</a:t>
+            </a:r>
+            <a:r>
+              <a:rPr lang="da-DK" sz="2900" dirty="0"/>
+              <a:t> up: </a:t>
             </a:r>
             <a:r>
               <a:rPr lang="da-DK" sz="2900" dirty="0" err="1"/>
@@ -5335,7 +5251,7 @@
             </a:r>
             <a:r>
               <a:rPr lang="da-DK" sz="2900" dirty="0"/>
-              <a:t> Day…! </a:t>
+              <a:t> Day…!? </a:t>
             </a:r>
             <a:r>
               <a:rPr lang="da-DK" sz="2900" dirty="0">
@@ -5417,7 +5333,7 @@
         <p:spPr/>
         <p:txBody>
           <a:bodyPr>
-            <a:normAutofit fontScale="85000" lnSpcReduction="20000"/>
+            <a:normAutofit/>
           </a:bodyPr>
           <a:lstStyle/>
           <a:p>
@@ -5430,130 +5346,25 @@
           <a:p>
             <a:pPr lvl="1"/>
             <a:r>
-              <a:rPr lang="en-US" dirty="0" err="1"/>
-              <a:t>Wouter</a:t>
-            </a:r>
-            <a:r>
-              <a:rPr lang="en-US" dirty="0"/>
-              <a:t> de </a:t>
-            </a:r>
-            <a:r>
-              <a:rPr lang="en-US" dirty="0" err="1"/>
-              <a:t>Kort</a:t>
-            </a:r>
-            <a:r>
-              <a:rPr lang="en-US" dirty="0"/>
-              <a:t>:</a:t>
-            </a:r>
-            <a:br>
-              <a:rPr lang="en-US" dirty="0"/>
-            </a:br>
-            <a:r>
-              <a:rPr lang="en-US" i="1" dirty="0"/>
-              <a:t>“Exam Ref 70-483: Programming in C#”</a:t>
-            </a:r>
-            <a:r>
-              <a:rPr lang="en-US" dirty="0"/>
-              <a:t>,</a:t>
-            </a:r>
-            <a:br>
-              <a:rPr lang="en-US" dirty="0"/>
-            </a:br>
-            <a:r>
-              <a:rPr lang="en-US" dirty="0"/>
-              <a:t>Microsoft Press (2013)</a:t>
+              <a:rPr lang="da-DK" dirty="0"/>
+              <a:t>70-483 MOC (Digitalt)</a:t>
             </a:r>
           </a:p>
           <a:p>
             <a:pPr lvl="1"/>
-            <a:r>
-              <a:rPr lang="da-DK" sz="2400" dirty="0"/>
-              <a:t>Links til MSDN-hjælpesider og lign., der beskriver yderligere emner. </a:t>
-            </a:r>
-            <a:endParaRPr lang="da-DK" dirty="0"/>
-          </a:p>
-          <a:p>
-            <a:pPr lvl="1" eaLnBrk="1" hangingPunct="1"/>
-            <a:endParaRPr lang="da-DK" dirty="0"/>
-          </a:p>
-          <a:p>
-            <a:pPr eaLnBrk="1" hangingPunct="1"/>
-            <a:r>
-              <a:rPr lang="da-DK" dirty="0"/>
-              <a:t>Kursusmappe</a:t>
-            </a:r>
-          </a:p>
-          <a:p>
-            <a:pPr lvl="1" eaLnBrk="1" hangingPunct="1"/>
-            <a:r>
-              <a:rPr lang="da-DK" dirty="0"/>
-              <a:t>Slides</a:t>
-            </a:r>
-          </a:p>
-          <a:p>
-            <a:pPr lvl="1" eaLnBrk="1" hangingPunct="1"/>
-            <a:r>
-              <a:rPr lang="da-DK" dirty="0"/>
-              <a:t>Links</a:t>
-            </a:r>
-          </a:p>
-          <a:p>
-            <a:pPr lvl="1" eaLnBrk="1" hangingPunct="1"/>
-            <a:endParaRPr lang="da-DK" dirty="0"/>
-          </a:p>
-          <a:p>
-            <a:pPr eaLnBrk="1" hangingPunct="1"/>
-            <a:r>
-              <a:rPr lang="da-DK" dirty="0"/>
-              <a:t>Eksempler</a:t>
-            </a:r>
-          </a:p>
-          <a:p>
-            <a:pPr lvl="1" eaLnBrk="1" hangingPunct="1"/>
-            <a:r>
-              <a:rPr lang="da-DK" dirty="0"/>
-              <a:t>Download</a:t>
-            </a:r>
-          </a:p>
-          <a:p>
-            <a:pPr lvl="1" eaLnBrk="1" hangingPunct="1"/>
-            <a:endParaRPr lang="da-DK" dirty="0"/>
-          </a:p>
-          <a:p>
-            <a:pPr eaLnBrk="1" hangingPunct="1"/>
-            <a:r>
-              <a:rPr lang="da-DK" dirty="0"/>
-              <a:t>Tests</a:t>
-            </a:r>
-          </a:p>
-          <a:p>
-            <a:pPr lvl="1" eaLnBrk="1" hangingPunct="1"/>
-            <a:r>
-              <a:rPr lang="da-DK" dirty="0" err="1"/>
-              <a:t>MeasureUp</a:t>
-            </a:r>
-            <a:r>
-              <a:rPr lang="da-DK" dirty="0"/>
-              <a:t> </a:t>
-            </a:r>
-            <a:r>
-              <a:rPr lang="da-DK" dirty="0" err="1"/>
-              <a:t>practice</a:t>
-            </a:r>
-            <a:r>
-              <a:rPr lang="da-DK" dirty="0"/>
-              <a:t> tests på </a:t>
-            </a:r>
             <a:r>
               <a:rPr lang="da-DK" dirty="0">
                 <a:hlinkClick r:id="rId3"/>
               </a:rPr>
-              <a:t>http://www.measureup.com</a:t>
-            </a:r>
-            <a:r>
-              <a:rPr lang="da-DK" dirty="0"/>
-              <a:t> </a:t>
-            </a:r>
+              <a:t>https://github.com/martinesmann/cs-70-483</a:t>
+            </a:r>
+            <a:endParaRPr lang="da-DK" dirty="0"/>
+          </a:p>
+          <a:p>
+            <a:pPr marL="393192" lvl="1" indent="0">
+              <a:buNone/>
+            </a:pPr>
+            <a:endParaRPr lang="da-DK" dirty="0"/>
           </a:p>
         </p:txBody>
       </p:sp>
@@ -5625,7 +5436,7 @@
         <p:spPr/>
         <p:txBody>
           <a:bodyPr>
-            <a:normAutofit/>
+            <a:normAutofit lnSpcReduction="10000"/>
           </a:bodyPr>
           <a:lstStyle/>
           <a:p>
